--- a/cicd/app-devops-bootcamp/PresentacionGrupo_1_Sprint_2.pptx
+++ b/cicd/app-devops-bootcamp/PresentacionGrupo_1_Sprint_2.pptx
@@ -12023,7 +12023,7 @@
                 <a:cs typeface="Roboto"/>
                 <a:sym typeface="Roboto"/>
               </a:rPr>
-              <a:t>Diagrama: https://github.com/Jiolloker/webdemo/blob/master/diagrama.md</a:t>
+              <a:t>Diagrama: https://github.com/Jiolloker/webdemo/tree/master/cicd/app-devops-bootcamp</a:t>
             </a:r>
             <a:endParaRPr sz="1100">
               <a:solidFill>
